--- a/documents/final_1.pptx
+++ b/documents/final_1.pptx
@@ -235,7 +235,7 @@
           <a:p>
             <a:fld id="{866D81A9-CFC2-4640-899E-DD3E177BE50A}" type="datetimeFigureOut">
               <a:rPr lang="en-US" smtClean="0"/>
-              <a:t>11/4/2024</a:t>
+              <a:t>11/7/2024</a:t>
             </a:fld>
             <a:endParaRPr lang="en-US" dirty="0"/>
           </a:p>
@@ -412,7 +412,7 @@
           <a:p>
             <a:fld id="{AA1E50F4-C55A-473A-A70B-4B042EF011A9}" type="datetimeFigureOut">
               <a:rPr lang="en-US" smtClean="0"/>
-              <a:t>11/4/2024</a:t>
+              <a:t>11/7/2024</a:t>
             </a:fld>
             <a:endParaRPr lang="en-US" dirty="0"/>
           </a:p>
@@ -828,6 +828,90 @@
           <a:p>
             <a:fld id="{F3544625-0ADF-4414-89A2-9E135F0C849F}" type="slidenum">
               <a:rPr lang="en-US" smtClean="0"/>
+              <a:t>3</a:t>
+            </a:fld>
+            <a:endParaRPr lang="en-US" dirty="0"/>
+          </a:p>
+        </p:txBody>
+      </p:sp>
+    </p:spTree>
+    <p:extLst>
+      <p:ext uri="{BB962C8B-B14F-4D97-AF65-F5344CB8AC3E}">
+        <p14:creationId xmlns:p14="http://schemas.microsoft.com/office/powerpoint/2010/main" val="3816892014"/>
+      </p:ext>
+    </p:extLst>
+  </p:cSld>
+  <p:clrMapOvr>
+    <a:masterClrMapping/>
+  </p:clrMapOvr>
+</p:notes>
+</file>
+
+<file path=ppt/notesSlides/notesSlide3.xml><?xml version="1.0" encoding="utf-8"?>
+<p:notes xmlns:a="http://schemas.openxmlformats.org/drawingml/2006/main" xmlns:r="http://schemas.openxmlformats.org/officeDocument/2006/relationships" xmlns:p="http://schemas.openxmlformats.org/presentationml/2006/main">
+  <p:cSld>
+    <p:spTree>
+      <p:nvGrpSpPr>
+        <p:cNvPr id="1" name=""/>
+        <p:cNvGrpSpPr/>
+        <p:nvPr/>
+      </p:nvGrpSpPr>
+      <p:grpSpPr>
+        <a:xfrm>
+          <a:off x="0" y="0"/>
+          <a:ext cx="0" cy="0"/>
+          <a:chOff x="0" y="0"/>
+          <a:chExt cx="0" cy="0"/>
+        </a:xfrm>
+      </p:grpSpPr>
+      <p:sp>
+        <p:nvSpPr>
+          <p:cNvPr id="2" name="幻灯片图像占位符 1"/>
+          <p:cNvSpPr>
+            <a:spLocks noGrp="1" noRot="1" noChangeAspect="1"/>
+          </p:cNvSpPr>
+          <p:nvPr>
+            <p:ph type="sldImg"/>
+          </p:nvPr>
+        </p:nvSpPr>
+        <p:spPr/>
+      </p:sp>
+      <p:sp>
+        <p:nvSpPr>
+          <p:cNvPr id="3" name="备注占位符 2"/>
+          <p:cNvSpPr>
+            <a:spLocks noGrp="1"/>
+          </p:cNvSpPr>
+          <p:nvPr>
+            <p:ph type="body" idx="1"/>
+          </p:nvPr>
+        </p:nvSpPr>
+        <p:spPr/>
+        <p:txBody>
+          <a:bodyPr/>
+          <a:lstStyle/>
+          <a:p>
+            <a:endParaRPr lang="en-HK" dirty="0"/>
+          </a:p>
+        </p:txBody>
+      </p:sp>
+      <p:sp>
+        <p:nvSpPr>
+          <p:cNvPr id="4" name="灯片编号占位符 3"/>
+          <p:cNvSpPr>
+            <a:spLocks noGrp="1"/>
+          </p:cNvSpPr>
+          <p:nvPr>
+            <p:ph type="sldNum" sz="quarter" idx="5"/>
+          </p:nvPr>
+        </p:nvSpPr>
+        <p:spPr/>
+        <p:txBody>
+          <a:bodyPr/>
+          <a:lstStyle/>
+          <a:p>
+            <a:fld id="{F3544625-0ADF-4414-89A2-9E135F0C849F}" type="slidenum">
+              <a:rPr lang="en-US" smtClean="0"/>
               <a:t>7</a:t>
             </a:fld>
             <a:endParaRPr lang="en-US" dirty="0"/>
@@ -1077,7 +1161,7 @@
             <a:fld id="{87DE6118-2437-4B30-8E3C-4D2BE6020583}" type="datetimeFigureOut">
               <a:rPr lang="en-US" smtClean="0"/>
               <a:pPr/>
-              <a:t>11/4/2024</a:t>
+              <a:t>11/7/2024</a:t>
             </a:fld>
             <a:endParaRPr lang="en-US" dirty="0"/>
           </a:p>
@@ -1413,7 +1497,7 @@
             <a:fld id="{87DE6118-2437-4B30-8E3C-4D2BE6020583}" type="datetimeFigureOut">
               <a:rPr lang="en-US" smtClean="0"/>
               <a:pPr/>
-              <a:t>11/4/2024</a:t>
+              <a:t>11/7/2024</a:t>
             </a:fld>
             <a:endParaRPr lang="en-US" dirty="0"/>
           </a:p>
@@ -1693,7 +1777,7 @@
             <a:fld id="{87DE6118-2437-4B30-8E3C-4D2BE6020583}" type="datetimeFigureOut">
               <a:rPr lang="en-US" smtClean="0"/>
               <a:pPr/>
-              <a:t>11/4/2024</a:t>
+              <a:t>11/7/2024</a:t>
             </a:fld>
             <a:endParaRPr lang="en-US" dirty="0"/>
           </a:p>
@@ -2263,7 +2347,7 @@
             <a:fld id="{87DE6118-2437-4B30-8E3C-4D2BE6020583}" type="datetimeFigureOut">
               <a:rPr lang="en-US" smtClean="0"/>
               <a:pPr/>
-              <a:t>11/4/2024</a:t>
+              <a:t>11/7/2024</a:t>
             </a:fld>
             <a:endParaRPr lang="en-US" dirty="0"/>
           </a:p>
@@ -2543,7 +2627,7 @@
             <a:fld id="{87DE6118-2437-4B30-8E3C-4D2BE6020583}" type="datetimeFigureOut">
               <a:rPr lang="en-US" smtClean="0"/>
               <a:pPr/>
-              <a:t>11/4/2024</a:t>
+              <a:t>11/7/2024</a:t>
             </a:fld>
             <a:endParaRPr lang="en-US" dirty="0"/>
           </a:p>
@@ -3107,7 +3191,7 @@
             <a:fld id="{87DE6118-2437-4B30-8E3C-4D2BE6020583}" type="datetimeFigureOut">
               <a:rPr lang="en-US" smtClean="0"/>
               <a:pPr/>
-              <a:t>11/4/2024</a:t>
+              <a:t>11/7/2024</a:t>
             </a:fld>
             <a:endParaRPr lang="en-US" dirty="0"/>
           </a:p>
@@ -3436,7 +3520,7 @@
             <a:fld id="{87DE6118-2437-4B30-8E3C-4D2BE6020583}" type="datetimeFigureOut">
               <a:rPr lang="en-US" smtClean="0"/>
               <a:pPr/>
-              <a:t>11/4/2024</a:t>
+              <a:t>11/7/2024</a:t>
             </a:fld>
             <a:endParaRPr lang="en-US" dirty="0"/>
           </a:p>
@@ -3642,7 +3726,7 @@
           <a:p>
             <a:fld id="{87DE6118-2437-4B30-8E3C-4D2BE6020583}" type="datetimeFigureOut">
               <a:rPr lang="en-US" smtClean="0"/>
-              <a:t>11/4/2024</a:t>
+              <a:t>11/7/2024</a:t>
             </a:fld>
             <a:endParaRPr lang="en-US" dirty="0"/>
           </a:p>
@@ -3852,7 +3936,7 @@
           <a:p>
             <a:fld id="{87DE6118-2437-4B30-8E3C-4D2BE6020583}" type="datetimeFigureOut">
               <a:rPr lang="en-US" smtClean="0"/>
-              <a:t>11/4/2024</a:t>
+              <a:t>11/7/2024</a:t>
             </a:fld>
             <a:endParaRPr lang="en-US" dirty="0"/>
           </a:p>
@@ -4052,7 +4136,7 @@
           <a:p>
             <a:fld id="{87DE6118-2437-4B30-8E3C-4D2BE6020583}" type="datetimeFigureOut">
               <a:rPr lang="en-US" smtClean="0"/>
-              <a:t>11/4/2024</a:t>
+              <a:t>11/7/2024</a:t>
             </a:fld>
             <a:endParaRPr lang="en-US" dirty="0"/>
           </a:p>
@@ -4329,7 +4413,7 @@
             <a:fld id="{87DE6118-2437-4B30-8E3C-4D2BE6020583}" type="datetimeFigureOut">
               <a:rPr lang="en-US" smtClean="0"/>
               <a:pPr/>
-              <a:t>11/4/2024</a:t>
+              <a:t>11/7/2024</a:t>
             </a:fld>
             <a:endParaRPr lang="en-US" dirty="0"/>
           </a:p>
@@ -4596,7 +4680,7 @@
           <a:p>
             <a:fld id="{87DE6118-2437-4B30-8E3C-4D2BE6020583}" type="datetimeFigureOut">
               <a:rPr lang="en-US" smtClean="0"/>
-              <a:t>11/4/2024</a:t>
+              <a:t>11/7/2024</a:t>
             </a:fld>
             <a:endParaRPr lang="en-US" dirty="0"/>
           </a:p>
@@ -4970,7 +5054,7 @@
           <a:p>
             <a:fld id="{87DE6118-2437-4B30-8E3C-4D2BE6020583}" type="datetimeFigureOut">
               <a:rPr lang="en-US" smtClean="0"/>
-              <a:t>11/4/2024</a:t>
+              <a:t>11/7/2024</a:t>
             </a:fld>
             <a:endParaRPr lang="en-US" dirty="0"/>
           </a:p>
@@ -5118,7 +5202,7 @@
           <a:p>
             <a:fld id="{87DE6118-2437-4B30-8E3C-4D2BE6020583}" type="datetimeFigureOut">
               <a:rPr lang="en-US" smtClean="0"/>
-              <a:t>11/4/2024</a:t>
+              <a:t>11/7/2024</a:t>
             </a:fld>
             <a:endParaRPr lang="en-US" dirty="0"/>
           </a:p>
@@ -5243,7 +5327,7 @@
           <a:p>
             <a:fld id="{87DE6118-2437-4B30-8E3C-4D2BE6020583}" type="datetimeFigureOut">
               <a:rPr lang="en-US" smtClean="0"/>
-              <a:t>11/4/2024</a:t>
+              <a:t>11/7/2024</a:t>
             </a:fld>
             <a:endParaRPr lang="en-US" dirty="0"/>
           </a:p>
@@ -5529,7 +5613,7 @@
             <a:fld id="{87DE6118-2437-4B30-8E3C-4D2BE6020583}" type="datetimeFigureOut">
               <a:rPr lang="en-US" smtClean="0"/>
               <a:pPr/>
-              <a:t>11/4/2024</a:t>
+              <a:t>11/7/2024</a:t>
             </a:fld>
             <a:endParaRPr lang="en-US" dirty="0"/>
           </a:p>
@@ -5855,7 +5939,7 @@
             <a:fld id="{87DE6118-2437-4B30-8E3C-4D2BE6020583}" type="datetimeFigureOut">
               <a:rPr lang="en-US" smtClean="0"/>
               <a:pPr/>
-              <a:t>11/4/2024</a:t>
+              <a:t>11/7/2024</a:t>
             </a:fld>
             <a:endParaRPr lang="en-US" dirty="0"/>
           </a:p>
@@ -6071,7 +6155,7 @@
             <a:fld id="{87DE6118-2437-4B30-8E3C-4D2BE6020583}" type="datetimeFigureOut">
               <a:rPr lang="en-US" smtClean="0"/>
               <a:pPr/>
-              <a:t>11/4/2024</a:t>
+              <a:t>11/7/2024</a:t>
             </a:fld>
             <a:endParaRPr lang="en-US" dirty="0"/>
           </a:p>
@@ -6818,7 +6902,47 @@
             <a:pPr algn="ctr"/>
             <a:r>
               <a:rPr lang="zh-CN" altLang="en-US" dirty="0"/>
-              <a:t>请老师点评！</a:t>
+              <a:t>请各位老师同学点评！</a:t>
+            </a:r>
+            <a:endParaRPr lang="en-HK" dirty="0"/>
+          </a:p>
+        </p:txBody>
+      </p:sp>
+      <p:sp>
+        <p:nvSpPr>
+          <p:cNvPr id="4" name="文本框 3">
+            <a:extLst>
+              <a:ext uri="{FF2B5EF4-FFF2-40B4-BE49-F238E27FC236}">
+                <a16:creationId xmlns:a16="http://schemas.microsoft.com/office/drawing/2014/main" id="{DF229E72-AD93-D111-EA05-8CC89DAD532E}"/>
+              </a:ext>
+            </a:extLst>
+          </p:cNvPr>
+          <p:cNvSpPr txBox="1"/>
+          <p:nvPr/>
+        </p:nvSpPr>
+        <p:spPr>
+          <a:xfrm>
+            <a:off x="0" y="6135756"/>
+            <a:ext cx="8169966" cy="646331"/>
+          </a:xfrm>
+          <a:prstGeom prst="rect">
+            <a:avLst/>
+          </a:prstGeom>
+          <a:noFill/>
+        </p:spPr>
+        <p:txBody>
+          <a:bodyPr wrap="square" rtlCol="0">
+            <a:spAutoFit/>
+          </a:bodyPr>
+          <a:lstStyle/>
+          <a:p>
+            <a:r>
+              <a:rPr lang="zh-CN" altLang="en-US" dirty="0"/>
+              <a:t>相关报告，位于</a:t>
+            </a:r>
+            <a:r>
+              <a:rPr lang="en-HK" altLang="zh-CN" dirty="0"/>
+              <a:t>https://github.com/dbydd/UUSBDriver/blob/main/documents/blogs/2024-11-5.md</a:t>
             </a:r>
             <a:endParaRPr lang="en-HK" dirty="0"/>
           </a:p>
